--- a/products/find-a-va-form/contact-center/FindVAFormsSearch-ProductGuide_v11-17-2021.pptx
+++ b/products/find-a-va-form/contact-center/FindVAFormsSearch-ProductGuide_v11-17-2021.pptx
@@ -160,526 +160,61 @@
 </p:cmAuthorLst>
 </file>
 
-<file path=ppt/revisionInfo.xml><?xml version="1.0" encoding="utf-8"?>
-<p1510:revInfo xmlns:a="http://schemas.openxmlformats.org/drawingml/2006/main" xmlns:r="http://schemas.openxmlformats.org/officeDocument/2006/relationships" xmlns:p1510="http://schemas.microsoft.com/office/powerpoint/2015/10/main">
-  <p1510:revLst>
-    <p1510:client id="{0D4D732F-A10E-4547-935C-A396D909F7D7}" v="8" dt="2021-11-17T14:06:35.126"/>
-  </p1510:revLst>
-</p1510:revInfo>
-</file>
-
 <file path=ppt/changesInfos/changesInfo1.xml><?xml version="1.0" encoding="utf-8"?>
 <pc:chgInfo xmlns:a="http://schemas.openxmlformats.org/drawingml/2006/main" xmlns:r="http://schemas.openxmlformats.org/officeDocument/2006/relationships" xmlns:ac="http://schemas.microsoft.com/office/drawing/2013/main/command" xmlns:pc="http://schemas.microsoft.com/office/powerpoint/2013/main/command">
   <pc:docChgLst>
-    <pc:chgData name="Marci McGuire" userId="da076b16-69e6-40ca-b632-a9ea416c9c12" providerId="ADAL" clId="{0D4D732F-A10E-4547-935C-A396D909F7D7}"/>
-    <pc:docChg chg="undo custSel addSld modSld sldOrd">
-      <pc:chgData name="Marci McGuire" userId="da076b16-69e6-40ca-b632-a9ea416c9c12" providerId="ADAL" clId="{0D4D732F-A10E-4547-935C-A396D909F7D7}" dt="2021-11-17T14:17:57.247" v="1476" actId="20577"/>
+    <pc:chgData name="Steven Robert Tarlow Jr." userId="ad86c06a5c8e7b1f" providerId="LiveId" clId="{58A7D052-2B52-4E67-8984-3B909D56E6F8}"/>
+    <pc:docChg chg="modSld">
+      <pc:chgData name="Steven Robert Tarlow Jr." userId="ad86c06a5c8e7b1f" providerId="LiveId" clId="{58A7D052-2B52-4E67-8984-3B909D56E6F8}" dt="2021-11-17T20:36:28.832" v="47" actId="20577"/>
       <pc:docMkLst>
         <pc:docMk/>
       </pc:docMkLst>
-      <pc:sldChg chg="addSp delSp modSp mod">
-        <pc:chgData name="Marci McGuire" userId="da076b16-69e6-40ca-b632-a9ea416c9c12" providerId="ADAL" clId="{0D4D732F-A10E-4547-935C-A396D909F7D7}" dt="2021-11-17T13:50:35.506" v="383" actId="1035"/>
+      <pc:sldChg chg="modSp mod">
+        <pc:chgData name="Steven Robert Tarlow Jr." userId="ad86c06a5c8e7b1f" providerId="LiveId" clId="{58A7D052-2B52-4E67-8984-3B909D56E6F8}" dt="2021-11-17T20:27:50.771" v="0" actId="6549"/>
         <pc:sldMkLst>
           <pc:docMk/>
-          <pc:sldMk cId="0" sldId="260"/>
+          <pc:sldMk cId="0" sldId="256"/>
         </pc:sldMkLst>
-        <pc:spChg chg="del">
-          <ac:chgData name="Marci McGuire" userId="da076b16-69e6-40ca-b632-a9ea416c9c12" providerId="ADAL" clId="{0D4D732F-A10E-4547-935C-A396D909F7D7}" dt="2021-11-17T13:49:39.592" v="360" actId="478"/>
+        <pc:spChg chg="mod">
+          <ac:chgData name="Steven Robert Tarlow Jr." userId="ad86c06a5c8e7b1f" providerId="LiveId" clId="{58A7D052-2B52-4E67-8984-3B909D56E6F8}" dt="2021-11-17T20:27:50.771" v="0" actId="6549"/>
           <ac:spMkLst>
             <pc:docMk/>
-            <pc:sldMk cId="0" sldId="260"/>
-            <ac:spMk id="2" creationId="{00000000-0000-0000-0000-000000000000}"/>
-          </ac:spMkLst>
-        </pc:spChg>
-        <pc:spChg chg="mod ord">
-          <ac:chgData name="Marci McGuire" userId="da076b16-69e6-40ca-b632-a9ea416c9c12" providerId="ADAL" clId="{0D4D732F-A10E-4547-935C-A396D909F7D7}" dt="2021-11-17T13:50:35.506" v="383" actId="1035"/>
-          <ac:spMkLst>
-            <pc:docMk/>
-            <pc:sldMk cId="0" sldId="260"/>
-            <ac:spMk id="6" creationId="{00000000-0000-0000-0000-000000000000}"/>
-          </ac:spMkLst>
-        </pc:spChg>
-        <pc:picChg chg="add mod">
-          <ac:chgData name="Marci McGuire" userId="da076b16-69e6-40ca-b632-a9ea416c9c12" providerId="ADAL" clId="{0D4D732F-A10E-4547-935C-A396D909F7D7}" dt="2021-11-17T13:50:14.702" v="363" actId="29295"/>
-          <ac:picMkLst>
-            <pc:docMk/>
-            <pc:sldMk cId="0" sldId="260"/>
-            <ac:picMk id="8" creationId="{8EBB092E-3DDE-4282-82C1-8E7A24A31DD6}"/>
-          </ac:picMkLst>
-        </pc:picChg>
-      </pc:sldChg>
-      <pc:sldChg chg="addSp delSp modSp mod">
-        <pc:chgData name="Marci McGuire" userId="da076b16-69e6-40ca-b632-a9ea416c9c12" providerId="ADAL" clId="{0D4D732F-A10E-4547-935C-A396D909F7D7}" dt="2021-11-17T13:56:35.923" v="456" actId="1076"/>
-        <pc:sldMkLst>
-          <pc:docMk/>
-          <pc:sldMk cId="0" sldId="261"/>
-        </pc:sldMkLst>
-        <pc:spChg chg="mod topLvl">
-          <ac:chgData name="Marci McGuire" userId="da076b16-69e6-40ca-b632-a9ea416c9c12" providerId="ADAL" clId="{0D4D732F-A10E-4547-935C-A396D909F7D7}" dt="2021-11-17T13:56:21.061" v="452" actId="165"/>
-          <ac:spMkLst>
-            <pc:docMk/>
-            <pc:sldMk cId="0" sldId="261"/>
-            <ac:spMk id="19" creationId="{547214D5-71E7-43CB-819E-8671A2FC4FB4}"/>
-          </ac:spMkLst>
-        </pc:spChg>
-        <pc:spChg chg="mod ord topLvl">
-          <ac:chgData name="Marci McGuire" userId="da076b16-69e6-40ca-b632-a9ea416c9c12" providerId="ADAL" clId="{0D4D732F-A10E-4547-935C-A396D909F7D7}" dt="2021-11-17T13:56:35.923" v="456" actId="1076"/>
-          <ac:spMkLst>
-            <pc:docMk/>
-            <pc:sldMk cId="0" sldId="261"/>
-            <ac:spMk id="20" creationId="{0F64ADFC-E0E4-48D3-8283-2C94471C12B9}"/>
-          </ac:spMkLst>
-        </pc:spChg>
-        <pc:grpChg chg="del">
-          <ac:chgData name="Marci McGuire" userId="da076b16-69e6-40ca-b632-a9ea416c9c12" providerId="ADAL" clId="{0D4D732F-A10E-4547-935C-A396D909F7D7}" dt="2021-11-17T13:56:21.061" v="452" actId="165"/>
-          <ac:grpSpMkLst>
-            <pc:docMk/>
-            <pc:sldMk cId="0" sldId="261"/>
-            <ac:grpSpMk id="15" creationId="{3737CA4E-55E3-43CE-B33C-4B9454431C99}"/>
-          </ac:grpSpMkLst>
-        </pc:grpChg>
-        <pc:picChg chg="del">
-          <ac:chgData name="Marci McGuire" userId="da076b16-69e6-40ca-b632-a9ea416c9c12" providerId="ADAL" clId="{0D4D732F-A10E-4547-935C-A396D909F7D7}" dt="2021-11-17T13:55:57.336" v="449" actId="478"/>
-          <ac:picMkLst>
-            <pc:docMk/>
-            <pc:sldMk cId="0" sldId="261"/>
-            <ac:picMk id="5" creationId="{8C94DDF9-BD6A-429B-84B2-E20D07A5D621}"/>
-          </ac:picMkLst>
-        </pc:picChg>
-        <pc:picChg chg="add mod">
-          <ac:chgData name="Marci McGuire" userId="da076b16-69e6-40ca-b632-a9ea416c9c12" providerId="ADAL" clId="{0D4D732F-A10E-4547-935C-A396D909F7D7}" dt="2021-11-17T13:56:25.600" v="454"/>
-          <ac:picMkLst>
-            <pc:docMk/>
-            <pc:sldMk cId="0" sldId="261"/>
-            <ac:picMk id="11" creationId="{04B9D4B1-EA73-4921-B591-91179C38656A}"/>
-          </ac:picMkLst>
-        </pc:picChg>
-        <pc:picChg chg="del">
-          <ac:chgData name="Marci McGuire" userId="da076b16-69e6-40ca-b632-a9ea416c9c12" providerId="ADAL" clId="{0D4D732F-A10E-4547-935C-A396D909F7D7}" dt="2021-11-17T13:55:56.046" v="448" actId="478"/>
-          <ac:picMkLst>
-            <pc:docMk/>
-            <pc:sldMk cId="0" sldId="261"/>
-            <ac:picMk id="16" creationId="{78300B7D-E4D0-4A3E-A9D8-E8934EE1E555}"/>
-          </ac:picMkLst>
-        </pc:picChg>
-        <pc:picChg chg="del">
-          <ac:chgData name="Marci McGuire" userId="da076b16-69e6-40ca-b632-a9ea416c9c12" providerId="ADAL" clId="{0D4D732F-A10E-4547-935C-A396D909F7D7}" dt="2021-11-17T13:56:01.259" v="451" actId="478"/>
-          <ac:picMkLst>
-            <pc:docMk/>
-            <pc:sldMk cId="0" sldId="261"/>
-            <ac:picMk id="17" creationId="{1043781F-9DF6-43DA-A08B-60A8C311AE9E}"/>
-          </ac:picMkLst>
-        </pc:picChg>
-        <pc:picChg chg="del">
-          <ac:chgData name="Marci McGuire" userId="da076b16-69e6-40ca-b632-a9ea416c9c12" providerId="ADAL" clId="{0D4D732F-A10E-4547-935C-A396D909F7D7}" dt="2021-11-17T13:55:58.786" v="450" actId="478"/>
-          <ac:picMkLst>
-            <pc:docMk/>
-            <pc:sldMk cId="0" sldId="261"/>
-            <ac:picMk id="18" creationId="{65074838-9E14-4E0F-83E2-F263BA1F09B9}"/>
-          </ac:picMkLst>
-        </pc:picChg>
-      </pc:sldChg>
-      <pc:sldChg chg="addSp delSp modSp mod">
-        <pc:chgData name="Marci McGuire" userId="da076b16-69e6-40ca-b632-a9ea416c9c12" providerId="ADAL" clId="{0D4D732F-A10E-4547-935C-A396D909F7D7}" dt="2021-11-17T14:13:36.324" v="1339" actId="14100"/>
-        <pc:sldMkLst>
-          <pc:docMk/>
-          <pc:sldMk cId="0" sldId="262"/>
-        </pc:sldMkLst>
-        <pc:spChg chg="del">
-          <ac:chgData name="Marci McGuire" userId="da076b16-69e6-40ca-b632-a9ea416c9c12" providerId="ADAL" clId="{0D4D732F-A10E-4547-935C-A396D909F7D7}" dt="2021-11-17T14:12:34.755" v="1331" actId="478"/>
-          <ac:spMkLst>
-            <pc:docMk/>
-            <pc:sldMk cId="0" sldId="262"/>
-            <ac:spMk id="2" creationId="{00000000-0000-0000-0000-000000000000}"/>
-          </ac:spMkLst>
-        </pc:spChg>
-        <pc:spChg chg="mod">
-          <ac:chgData name="Marci McGuire" userId="da076b16-69e6-40ca-b632-a9ea416c9c12" providerId="ADAL" clId="{0D4D732F-A10E-4547-935C-A396D909F7D7}" dt="2021-11-17T14:13:18.253" v="1335" actId="14100"/>
-          <ac:spMkLst>
-            <pc:docMk/>
-            <pc:sldMk cId="0" sldId="262"/>
-            <ac:spMk id="3" creationId="{00000000-0000-0000-0000-000000000000}"/>
-          </ac:spMkLst>
-        </pc:spChg>
-        <pc:spChg chg="mod ord">
-          <ac:chgData name="Marci McGuire" userId="da076b16-69e6-40ca-b632-a9ea416c9c12" providerId="ADAL" clId="{0D4D732F-A10E-4547-935C-A396D909F7D7}" dt="2021-11-17T14:13:36.324" v="1339" actId="14100"/>
-          <ac:spMkLst>
-            <pc:docMk/>
-            <pc:sldMk cId="0" sldId="262"/>
-            <ac:spMk id="6" creationId="{00000000-0000-0000-0000-000000000000}"/>
-          </ac:spMkLst>
-        </pc:spChg>
-        <pc:picChg chg="add mod">
-          <ac:chgData name="Marci McGuire" userId="da076b16-69e6-40ca-b632-a9ea416c9c12" providerId="ADAL" clId="{0D4D732F-A10E-4547-935C-A396D909F7D7}" dt="2021-11-17T14:13:14.658" v="1334" actId="1076"/>
-          <ac:picMkLst>
-            <pc:docMk/>
-            <pc:sldMk cId="0" sldId="262"/>
-            <ac:picMk id="8" creationId="{75EC8EAB-4871-4325-827A-CE9B8ADE52C1}"/>
-          </ac:picMkLst>
-        </pc:picChg>
-      </pc:sldChg>
-      <pc:sldChg chg="addSp delSp modSp mod">
-        <pc:chgData name="Marci McGuire" userId="da076b16-69e6-40ca-b632-a9ea416c9c12" providerId="ADAL" clId="{0D4D732F-A10E-4547-935C-A396D909F7D7}" dt="2021-11-17T13:52:03.632" v="396" actId="1076"/>
-        <pc:sldMkLst>
-          <pc:docMk/>
-          <pc:sldMk cId="0" sldId="263"/>
-        </pc:sldMkLst>
-        <pc:spChg chg="mod ord">
-          <ac:chgData name="Marci McGuire" userId="da076b16-69e6-40ca-b632-a9ea416c9c12" providerId="ADAL" clId="{0D4D732F-A10E-4547-935C-A396D909F7D7}" dt="2021-11-17T13:51:59.189" v="395" actId="14100"/>
-          <ac:spMkLst>
-            <pc:docMk/>
-            <pc:sldMk cId="0" sldId="263"/>
-            <ac:spMk id="11" creationId="{9C88CA92-49F5-48C0-8560-642ABEFF41A8}"/>
-          </ac:spMkLst>
-        </pc:spChg>
-        <pc:spChg chg="mod">
-          <ac:chgData name="Marci McGuire" userId="da076b16-69e6-40ca-b632-a9ea416c9c12" providerId="ADAL" clId="{0D4D732F-A10E-4547-935C-A396D909F7D7}" dt="2021-11-17T13:52:03.632" v="396" actId="1076"/>
-          <ac:spMkLst>
-            <pc:docMk/>
-            <pc:sldMk cId="0" sldId="263"/>
-            <ac:spMk id="13" creationId="{67E2F779-ED7C-4A7B-8F82-C95C4F430E10}"/>
-          </ac:spMkLst>
-        </pc:spChg>
-        <pc:picChg chg="add mod">
-          <ac:chgData name="Marci McGuire" userId="da076b16-69e6-40ca-b632-a9ea416c9c12" providerId="ADAL" clId="{0D4D732F-A10E-4547-935C-A396D909F7D7}" dt="2021-11-17T13:51:47.648" v="391" actId="14100"/>
-          <ac:picMkLst>
-            <pc:docMk/>
-            <pc:sldMk cId="0" sldId="263"/>
-            <ac:picMk id="3" creationId="{2D54F636-D666-45F4-BD66-9285A513133E}"/>
-          </ac:picMkLst>
-        </pc:picChg>
-        <pc:picChg chg="del">
-          <ac:chgData name="Marci McGuire" userId="da076b16-69e6-40ca-b632-a9ea416c9c12" providerId="ADAL" clId="{0D4D732F-A10E-4547-935C-A396D909F7D7}" dt="2021-11-17T13:51:31.270" v="384" actId="478"/>
-          <ac:picMkLst>
-            <pc:docMk/>
-            <pc:sldMk cId="0" sldId="263"/>
-            <ac:picMk id="7" creationId="{FF903935-8A6F-454D-8417-506684019B48}"/>
-          </ac:picMkLst>
-        </pc:picChg>
-        <pc:picChg chg="del">
-          <ac:chgData name="Marci McGuire" userId="da076b16-69e6-40ca-b632-a9ea416c9c12" providerId="ADAL" clId="{0D4D732F-A10E-4547-935C-A396D909F7D7}" dt="2021-11-17T13:51:33.213" v="385" actId="478"/>
-          <ac:picMkLst>
-            <pc:docMk/>
-            <pc:sldMk cId="0" sldId="263"/>
-            <ac:picMk id="14" creationId="{91DC6235-F06F-4617-BAFA-4D62D940404D}"/>
-          </ac:picMkLst>
-        </pc:picChg>
-        <pc:picChg chg="del">
-          <ac:chgData name="Marci McGuire" userId="da076b16-69e6-40ca-b632-a9ea416c9c12" providerId="ADAL" clId="{0D4D732F-A10E-4547-935C-A396D909F7D7}" dt="2021-11-17T13:51:37.333" v="388" actId="478"/>
-          <ac:picMkLst>
-            <pc:docMk/>
-            <pc:sldMk cId="0" sldId="263"/>
-            <ac:picMk id="15" creationId="{5F29D8AB-7C27-4327-8CA5-274486C52EB1}"/>
-          </ac:picMkLst>
-        </pc:picChg>
-      </pc:sldChg>
-      <pc:sldChg chg="addSp delSp modSp mod">
-        <pc:chgData name="Marci McGuire" userId="da076b16-69e6-40ca-b632-a9ea416c9c12" providerId="ADAL" clId="{0D4D732F-A10E-4547-935C-A396D909F7D7}" dt="2021-11-17T14:15:36.279" v="1376" actId="20577"/>
-        <pc:sldMkLst>
-          <pc:docMk/>
-          <pc:sldMk cId="0" sldId="268"/>
-        </pc:sldMkLst>
-        <pc:spChg chg="mod">
-          <ac:chgData name="Marci McGuire" userId="da076b16-69e6-40ca-b632-a9ea416c9c12" providerId="ADAL" clId="{0D4D732F-A10E-4547-935C-A396D909F7D7}" dt="2021-11-17T14:15:36.279" v="1376" actId="20577"/>
-          <ac:spMkLst>
-            <pc:docMk/>
-            <pc:sldMk cId="0" sldId="268"/>
-            <ac:spMk id="3" creationId="{00000000-0000-0000-0000-000000000000}"/>
-          </ac:spMkLst>
-        </pc:spChg>
-        <pc:spChg chg="del">
-          <ac:chgData name="Marci McGuire" userId="da076b16-69e6-40ca-b632-a9ea416c9c12" providerId="ADAL" clId="{0D4D732F-A10E-4547-935C-A396D909F7D7}" dt="2021-11-17T14:14:53.455" v="1340" actId="478"/>
-          <ac:spMkLst>
-            <pc:docMk/>
-            <pc:sldMk cId="0" sldId="268"/>
-            <ac:spMk id="4" creationId="{00000000-0000-0000-0000-000000000000}"/>
-          </ac:spMkLst>
-        </pc:spChg>
-        <pc:spChg chg="mod ord">
-          <ac:chgData name="Marci McGuire" userId="da076b16-69e6-40ca-b632-a9ea416c9c12" providerId="ADAL" clId="{0D4D732F-A10E-4547-935C-A396D909F7D7}" dt="2021-11-17T14:15:26.275" v="1348" actId="14100"/>
-          <ac:spMkLst>
-            <pc:docMk/>
-            <pc:sldMk cId="0" sldId="268"/>
-            <ac:spMk id="8" creationId="{00000000-0000-0000-0000-000000000000}"/>
-          </ac:spMkLst>
-        </pc:spChg>
-        <pc:picChg chg="add mod">
-          <ac:chgData name="Marci McGuire" userId="da076b16-69e6-40ca-b632-a9ea416c9c12" providerId="ADAL" clId="{0D4D732F-A10E-4547-935C-A396D909F7D7}" dt="2021-11-17T14:15:12.197" v="1346" actId="1076"/>
-          <ac:picMkLst>
-            <pc:docMk/>
-            <pc:sldMk cId="0" sldId="268"/>
-            <ac:picMk id="14" creationId="{5E04F8BC-732A-479F-8585-1A76C35630B1}"/>
-          </ac:picMkLst>
-        </pc:picChg>
-      </pc:sldChg>
-      <pc:sldChg chg="modSp mod">
-        <pc:chgData name="Marci McGuire" userId="da076b16-69e6-40ca-b632-a9ea416c9c12" providerId="ADAL" clId="{0D4D732F-A10E-4547-935C-A396D909F7D7}" dt="2021-11-17T14:16:42.711" v="1419" actId="14100"/>
-        <pc:sldMkLst>
-          <pc:docMk/>
-          <pc:sldMk cId="0" sldId="269"/>
-        </pc:sldMkLst>
-        <pc:spChg chg="mod">
-          <ac:chgData name="Marci McGuire" userId="da076b16-69e6-40ca-b632-a9ea416c9c12" providerId="ADAL" clId="{0D4D732F-A10E-4547-935C-A396D909F7D7}" dt="2021-11-17T14:16:40.599" v="1418" actId="1035"/>
-          <ac:spMkLst>
-            <pc:docMk/>
-            <pc:sldMk cId="0" sldId="269"/>
-            <ac:spMk id="3" creationId="{00000000-0000-0000-0000-000000000000}"/>
-          </ac:spMkLst>
-        </pc:spChg>
-        <pc:spChg chg="mod">
-          <ac:chgData name="Marci McGuire" userId="da076b16-69e6-40ca-b632-a9ea416c9c12" providerId="ADAL" clId="{0D4D732F-A10E-4547-935C-A396D909F7D7}" dt="2021-11-17T14:16:42.711" v="1419" actId="14100"/>
-          <ac:spMkLst>
-            <pc:docMk/>
-            <pc:sldMk cId="0" sldId="269"/>
-            <ac:spMk id="8" creationId="{7AAC5B76-1368-443E-880C-4009C1E74D3B}"/>
+            <pc:sldMk cId="0" sldId="256"/>
+            <ac:spMk id="7" creationId="{00000000-0000-0000-0000-000000000000}"/>
           </ac:spMkLst>
         </pc:spChg>
       </pc:sldChg>
-      <pc:sldChg chg="addSp delSp modSp mod">
-        <pc:chgData name="Marci McGuire" userId="da076b16-69e6-40ca-b632-a9ea416c9c12" providerId="ADAL" clId="{0D4D732F-A10E-4547-935C-A396D909F7D7}" dt="2021-11-17T13:54:10.015" v="425" actId="1076"/>
-        <pc:sldMkLst>
-          <pc:docMk/>
-          <pc:sldMk cId="2977339038" sldId="271"/>
-        </pc:sldMkLst>
-        <pc:spChg chg="mod ord topLvl">
-          <ac:chgData name="Marci McGuire" userId="da076b16-69e6-40ca-b632-a9ea416c9c12" providerId="ADAL" clId="{0D4D732F-A10E-4547-935C-A396D909F7D7}" dt="2021-11-17T13:54:10.015" v="425" actId="1076"/>
-          <ac:spMkLst>
-            <pc:docMk/>
-            <pc:sldMk cId="2977339038" sldId="271"/>
-            <ac:spMk id="28" creationId="{AD3B1B4F-DFF9-48D5-A407-13051FE3DDD0}"/>
-          </ac:spMkLst>
-        </pc:spChg>
-        <pc:spChg chg="mod topLvl">
-          <ac:chgData name="Marci McGuire" userId="da076b16-69e6-40ca-b632-a9ea416c9c12" providerId="ADAL" clId="{0D4D732F-A10E-4547-935C-A396D909F7D7}" dt="2021-11-17T13:54:01.656" v="423" actId="165"/>
-          <ac:spMkLst>
-            <pc:docMk/>
-            <pc:sldMk cId="2977339038" sldId="271"/>
-            <ac:spMk id="31" creationId="{5A809FDD-2BAC-4A66-AB77-850CE5F63B42}"/>
-          </ac:spMkLst>
-        </pc:spChg>
-        <pc:grpChg chg="add del">
-          <ac:chgData name="Marci McGuire" userId="da076b16-69e6-40ca-b632-a9ea416c9c12" providerId="ADAL" clId="{0D4D732F-A10E-4547-935C-A396D909F7D7}" dt="2021-11-17T13:54:01.656" v="423" actId="165"/>
-          <ac:grpSpMkLst>
-            <pc:docMk/>
-            <pc:sldMk cId="2977339038" sldId="271"/>
-            <ac:grpSpMk id="26" creationId="{602F09AB-406D-42FB-96B4-BEBEFA282936}"/>
-          </ac:grpSpMkLst>
-        </pc:grpChg>
-        <pc:picChg chg="add del">
-          <ac:chgData name="Marci McGuire" userId="da076b16-69e6-40ca-b632-a9ea416c9c12" providerId="ADAL" clId="{0D4D732F-A10E-4547-935C-A396D909F7D7}" dt="2021-11-17T13:53:25.327" v="414" actId="478"/>
-          <ac:picMkLst>
-            <pc:docMk/>
-            <pc:sldMk cId="2977339038" sldId="271"/>
-            <ac:picMk id="3" creationId="{887478B9-DA4B-4232-82DF-19258742BE19}"/>
-          </ac:picMkLst>
-        </pc:picChg>
-        <pc:picChg chg="add del mod">
-          <ac:chgData name="Marci McGuire" userId="da076b16-69e6-40ca-b632-a9ea416c9c12" providerId="ADAL" clId="{0D4D732F-A10E-4547-935C-A396D909F7D7}" dt="2021-11-17T13:53:12.194" v="407" actId="22"/>
-          <ac:picMkLst>
-            <pc:docMk/>
-            <pc:sldMk cId="2977339038" sldId="271"/>
-            <ac:picMk id="6" creationId="{EF8208D6-9AE7-410C-A1B7-76F29CAA3A35}"/>
-          </ac:picMkLst>
-        </pc:picChg>
-        <pc:picChg chg="add mod">
-          <ac:chgData name="Marci McGuire" userId="da076b16-69e6-40ca-b632-a9ea416c9c12" providerId="ADAL" clId="{0D4D732F-A10E-4547-935C-A396D909F7D7}" dt="2021-11-17T13:53:37.314" v="418" actId="14100"/>
-          <ac:picMkLst>
-            <pc:docMk/>
-            <pc:sldMk cId="2977339038" sldId="271"/>
-            <ac:picMk id="8" creationId="{80698669-9FD3-43AC-8A07-719AD4D904F4}"/>
-          </ac:picMkLst>
-        </pc:picChg>
-        <pc:picChg chg="del mod">
-          <ac:chgData name="Marci McGuire" userId="da076b16-69e6-40ca-b632-a9ea416c9c12" providerId="ADAL" clId="{0D4D732F-A10E-4547-935C-A396D909F7D7}" dt="2021-11-17T13:53:21.047" v="412" actId="478"/>
-          <ac:picMkLst>
-            <pc:docMk/>
-            <pc:sldMk cId="2977339038" sldId="271"/>
-            <ac:picMk id="27" creationId="{B6C87C85-039F-49A1-9620-219F807C05EC}"/>
-          </ac:picMkLst>
-        </pc:picChg>
-        <pc:picChg chg="del">
-          <ac:chgData name="Marci McGuire" userId="da076b16-69e6-40ca-b632-a9ea416c9c12" providerId="ADAL" clId="{0D4D732F-A10E-4547-935C-A396D909F7D7}" dt="2021-11-17T13:53:28.278" v="415" actId="478"/>
-          <ac:picMkLst>
-            <pc:docMk/>
-            <pc:sldMk cId="2977339038" sldId="271"/>
-            <ac:picMk id="29" creationId="{7364E152-8BBB-4D9E-96C4-876253DDB29C}"/>
-          </ac:picMkLst>
-        </pc:picChg>
-        <pc:picChg chg="add del mod">
-          <ac:chgData name="Marci McGuire" userId="da076b16-69e6-40ca-b632-a9ea416c9c12" providerId="ADAL" clId="{0D4D732F-A10E-4547-935C-A396D909F7D7}" dt="2021-11-17T13:53:23.355" v="413" actId="478"/>
-          <ac:picMkLst>
-            <pc:docMk/>
-            <pc:sldMk cId="2977339038" sldId="271"/>
-            <ac:picMk id="30" creationId="{7D1DBB84-BFAA-4EEB-A650-3909434EEC20}"/>
-          </ac:picMkLst>
-        </pc:picChg>
-      </pc:sldChg>
-      <pc:sldChg chg="addSp delSp modSp mod">
-        <pc:chgData name="Marci McGuire" userId="da076b16-69e6-40ca-b632-a9ea416c9c12" providerId="ADAL" clId="{0D4D732F-A10E-4547-935C-A396D909F7D7}" dt="2021-11-17T13:55:41.986" v="447" actId="1035"/>
-        <pc:sldMkLst>
-          <pc:docMk/>
-          <pc:sldMk cId="2737972825" sldId="273"/>
-        </pc:sldMkLst>
-        <pc:spChg chg="mod topLvl">
-          <ac:chgData name="Marci McGuire" userId="da076b16-69e6-40ca-b632-a9ea416c9c12" providerId="ADAL" clId="{0D4D732F-A10E-4547-935C-A396D909F7D7}" dt="2021-11-17T13:54:58.589" v="432" actId="165"/>
-          <ac:spMkLst>
-            <pc:docMk/>
-            <pc:sldMk cId="2737972825" sldId="273"/>
-            <ac:spMk id="19" creationId="{93B9474A-E852-46A8-B2E9-4E2DF87E0684}"/>
-          </ac:spMkLst>
-        </pc:spChg>
-        <pc:spChg chg="mod ord topLvl">
-          <ac:chgData name="Marci McGuire" userId="da076b16-69e6-40ca-b632-a9ea416c9c12" providerId="ADAL" clId="{0D4D732F-A10E-4547-935C-A396D909F7D7}" dt="2021-11-17T13:55:41.986" v="447" actId="1035"/>
-          <ac:spMkLst>
-            <pc:docMk/>
-            <pc:sldMk cId="2737972825" sldId="273"/>
-            <ac:spMk id="20" creationId="{10D07D6C-D4FE-45E1-A45B-CBC04E93A998}"/>
-          </ac:spMkLst>
-        </pc:spChg>
-        <pc:grpChg chg="del">
-          <ac:chgData name="Marci McGuire" userId="da076b16-69e6-40ca-b632-a9ea416c9c12" providerId="ADAL" clId="{0D4D732F-A10E-4547-935C-A396D909F7D7}" dt="2021-11-17T13:54:58.589" v="432" actId="165"/>
-          <ac:grpSpMkLst>
-            <pc:docMk/>
-            <pc:sldMk cId="2737972825" sldId="273"/>
-            <ac:grpSpMk id="15" creationId="{D08E570F-E05B-4582-9785-9E3D73A51677}"/>
-          </ac:grpSpMkLst>
-        </pc:grpChg>
-        <pc:picChg chg="del">
-          <ac:chgData name="Marci McGuire" userId="da076b16-69e6-40ca-b632-a9ea416c9c12" providerId="ADAL" clId="{0D4D732F-A10E-4547-935C-A396D909F7D7}" dt="2021-11-17T13:54:35.067" v="428" actId="478"/>
-          <ac:picMkLst>
-            <pc:docMk/>
-            <pc:sldMk cId="2737972825" sldId="273"/>
-            <ac:picMk id="5" creationId="{9DDA2DEF-F413-47E8-AB2F-7749A828BBE6}"/>
-          </ac:picMkLst>
-        </pc:picChg>
-        <pc:picChg chg="add mod">
-          <ac:chgData name="Marci McGuire" userId="da076b16-69e6-40ca-b632-a9ea416c9c12" providerId="ADAL" clId="{0D4D732F-A10E-4547-935C-A396D909F7D7}" dt="2021-11-17T13:55:24.085" v="437" actId="1036"/>
-          <ac:picMkLst>
-            <pc:docMk/>
-            <pc:sldMk cId="2737972825" sldId="273"/>
-            <ac:picMk id="11" creationId="{E1FC6F1A-F3B9-4942-A83A-425A12F83729}"/>
-          </ac:picMkLst>
-        </pc:picChg>
-        <pc:picChg chg="del">
-          <ac:chgData name="Marci McGuire" userId="da076b16-69e6-40ca-b632-a9ea416c9c12" providerId="ADAL" clId="{0D4D732F-A10E-4547-935C-A396D909F7D7}" dt="2021-11-17T13:54:32.742" v="427" actId="478"/>
-          <ac:picMkLst>
-            <pc:docMk/>
-            <pc:sldMk cId="2737972825" sldId="273"/>
-            <ac:picMk id="16" creationId="{5A34E84D-BDD6-4A26-9D02-F13B2A06D4AD}"/>
-          </ac:picMkLst>
-        </pc:picChg>
-        <pc:picChg chg="del">
-          <ac:chgData name="Marci McGuire" userId="da076b16-69e6-40ca-b632-a9ea416c9c12" providerId="ADAL" clId="{0D4D732F-A10E-4547-935C-A396D909F7D7}" dt="2021-11-17T13:54:37.787" v="429" actId="478"/>
-          <ac:picMkLst>
-            <pc:docMk/>
-            <pc:sldMk cId="2737972825" sldId="273"/>
-            <ac:picMk id="17" creationId="{22C76A77-3EE6-416F-848A-47510470DF83}"/>
-          </ac:picMkLst>
-        </pc:picChg>
-        <pc:picChg chg="del">
-          <ac:chgData name="Marci McGuire" userId="da076b16-69e6-40ca-b632-a9ea416c9c12" providerId="ADAL" clId="{0D4D732F-A10E-4547-935C-A396D909F7D7}" dt="2021-11-17T13:54:53.267" v="431" actId="478"/>
-          <ac:picMkLst>
-            <pc:docMk/>
-            <pc:sldMk cId="2737972825" sldId="273"/>
-            <ac:picMk id="18" creationId="{F8768865-4B91-4117-893A-1FB091B596A6}"/>
-          </ac:picMkLst>
-        </pc:picChg>
-      </pc:sldChg>
-      <pc:sldChg chg="addSp delSp modSp add mod">
-        <pc:chgData name="Marci McGuire" userId="da076b16-69e6-40ca-b632-a9ea416c9c12" providerId="ADAL" clId="{0D4D732F-A10E-4547-935C-A396D909F7D7}" dt="2021-11-17T14:17:57.247" v="1476" actId="20577"/>
+      <pc:sldChg chg="modSp mod">
+        <pc:chgData name="Steven Robert Tarlow Jr." userId="ad86c06a5c8e7b1f" providerId="LiveId" clId="{58A7D052-2B52-4E67-8984-3B909D56E6F8}" dt="2021-11-17T20:35:39.273" v="33" actId="20577"/>
         <pc:sldMkLst>
           <pc:docMk/>
           <pc:sldMk cId="2242354470" sldId="274"/>
         </pc:sldMkLst>
         <pc:spChg chg="mod">
-          <ac:chgData name="Marci McGuire" userId="da076b16-69e6-40ca-b632-a9ea416c9c12" providerId="ADAL" clId="{0D4D732F-A10E-4547-935C-A396D909F7D7}" dt="2021-11-17T14:17:25.674" v="1420" actId="6549"/>
+          <ac:chgData name="Steven Robert Tarlow Jr." userId="ad86c06a5c8e7b1f" providerId="LiveId" clId="{58A7D052-2B52-4E67-8984-3B909D56E6F8}" dt="2021-11-17T20:35:07.729" v="29" actId="6549"/>
           <ac:spMkLst>
             <pc:docMk/>
             <pc:sldMk cId="2242354470" sldId="274"/>
             <ac:spMk id="2" creationId="{00000000-0000-0000-0000-000000000000}"/>
           </ac:spMkLst>
         </pc:spChg>
-        <pc:spChg chg="add mod">
-          <ac:chgData name="Marci McGuire" userId="da076b16-69e6-40ca-b632-a9ea416c9c12" providerId="ADAL" clId="{0D4D732F-A10E-4547-935C-A396D909F7D7}" dt="2021-11-17T14:17:57.247" v="1476" actId="20577"/>
+        <pc:spChg chg="mod">
+          <ac:chgData name="Steven Robert Tarlow Jr." userId="ad86c06a5c8e7b1f" providerId="LiveId" clId="{58A7D052-2B52-4E67-8984-3B909D56E6F8}" dt="2021-11-17T20:35:39.273" v="33" actId="20577"/>
           <ac:spMkLst>
             <pc:docMk/>
             <pc:sldMk cId="2242354470" sldId="274"/>
             <ac:spMk id="11" creationId="{A7F9CB80-8A1A-4CAD-94EE-BDFA509705ED}"/>
           </ac:spMkLst>
         </pc:spChg>
-        <pc:spChg chg="mod topLvl">
-          <ac:chgData name="Marci McGuire" userId="da076b16-69e6-40ca-b632-a9ea416c9c12" providerId="ADAL" clId="{0D4D732F-A10E-4547-935C-A396D909F7D7}" dt="2021-11-17T13:59:53.998" v="476" actId="14100"/>
-          <ac:spMkLst>
-            <pc:docMk/>
-            <pc:sldMk cId="2242354470" sldId="274"/>
-            <ac:spMk id="19" creationId="{547214D5-71E7-43CB-819E-8671A2FC4FB4}"/>
-          </ac:spMkLst>
-        </pc:spChg>
-        <pc:spChg chg="mod ord topLvl">
-          <ac:chgData name="Marci McGuire" userId="da076b16-69e6-40ca-b632-a9ea416c9c12" providerId="ADAL" clId="{0D4D732F-A10E-4547-935C-A396D909F7D7}" dt="2021-11-17T13:59:41.600" v="473" actId="14100"/>
-          <ac:spMkLst>
-            <pc:docMk/>
-            <pc:sldMk cId="2242354470" sldId="274"/>
-            <ac:spMk id="20" creationId="{0F64ADFC-E0E4-48D3-8283-2C94471C12B9}"/>
-          </ac:spMkLst>
-        </pc:spChg>
-        <pc:grpChg chg="del">
-          <ac:chgData name="Marci McGuire" userId="da076b16-69e6-40ca-b632-a9ea416c9c12" providerId="ADAL" clId="{0D4D732F-A10E-4547-935C-A396D909F7D7}" dt="2021-11-17T13:59:25.764" v="469" actId="165"/>
-          <ac:grpSpMkLst>
-            <pc:docMk/>
-            <pc:sldMk cId="2242354470" sldId="274"/>
-            <ac:grpSpMk id="15" creationId="{3737CA4E-55E3-43CE-B33C-4B9454431C99}"/>
-          </ac:grpSpMkLst>
-        </pc:grpChg>
-        <pc:picChg chg="del">
-          <ac:chgData name="Marci McGuire" userId="da076b16-69e6-40ca-b632-a9ea416c9c12" providerId="ADAL" clId="{0D4D732F-A10E-4547-935C-A396D909F7D7}" dt="2021-11-17T13:58:46.283" v="458" actId="478"/>
-          <ac:picMkLst>
-            <pc:docMk/>
-            <pc:sldMk cId="2242354470" sldId="274"/>
-            <ac:picMk id="5" creationId="{8C94DDF9-BD6A-429B-84B2-E20D07A5D621}"/>
-          </ac:picMkLst>
-        </pc:picChg>
-        <pc:picChg chg="add mod">
-          <ac:chgData name="Marci McGuire" userId="da076b16-69e6-40ca-b632-a9ea416c9c12" providerId="ADAL" clId="{0D4D732F-A10E-4547-935C-A396D909F7D7}" dt="2021-11-17T13:59:17.273" v="466" actId="1076"/>
-          <ac:picMkLst>
-            <pc:docMk/>
-            <pc:sldMk cId="2242354470" sldId="274"/>
-            <ac:picMk id="6" creationId="{56D32D79-1824-488B-B4EE-D8F9191C6C8C}"/>
-          </ac:picMkLst>
-        </pc:picChg>
-        <pc:picChg chg="del">
-          <ac:chgData name="Marci McGuire" userId="da076b16-69e6-40ca-b632-a9ea416c9c12" providerId="ADAL" clId="{0D4D732F-A10E-4547-935C-A396D909F7D7}" dt="2021-11-17T13:58:43.738" v="457" actId="478"/>
-          <ac:picMkLst>
-            <pc:docMk/>
-            <pc:sldMk cId="2242354470" sldId="274"/>
-            <ac:picMk id="16" creationId="{78300B7D-E4D0-4A3E-A9D8-E8934EE1E555}"/>
-          </ac:picMkLst>
-        </pc:picChg>
-        <pc:picChg chg="del">
-          <ac:chgData name="Marci McGuire" userId="da076b16-69e6-40ca-b632-a9ea416c9c12" providerId="ADAL" clId="{0D4D732F-A10E-4547-935C-A396D909F7D7}" dt="2021-11-17T13:58:49.989" v="460" actId="478"/>
-          <ac:picMkLst>
-            <pc:docMk/>
-            <pc:sldMk cId="2242354470" sldId="274"/>
-            <ac:picMk id="17" creationId="{1043781F-9DF6-43DA-A08B-60A8C311AE9E}"/>
-          </ac:picMkLst>
-        </pc:picChg>
-        <pc:picChg chg="del">
-          <ac:chgData name="Marci McGuire" userId="da076b16-69e6-40ca-b632-a9ea416c9c12" providerId="ADAL" clId="{0D4D732F-A10E-4547-935C-A396D909F7D7}" dt="2021-11-17T13:58:47.956" v="459" actId="478"/>
-          <ac:picMkLst>
-            <pc:docMk/>
-            <pc:sldMk cId="2242354470" sldId="274"/>
-            <ac:picMk id="18" creationId="{65074838-9E14-4E0F-83E2-F263BA1F09B9}"/>
-          </ac:picMkLst>
-        </pc:picChg>
       </pc:sldChg>
-      <pc:sldChg chg="addSp modSp add mod ord">
-        <pc:chgData name="Marci McGuire" userId="da076b16-69e6-40ca-b632-a9ea416c9c12" providerId="ADAL" clId="{0D4D732F-A10E-4547-935C-A396D909F7D7}" dt="2021-11-17T14:10:32.080" v="1284" actId="6549"/>
+      <pc:sldChg chg="modSp mod">
+        <pc:chgData name="Steven Robert Tarlow Jr." userId="ad86c06a5c8e7b1f" providerId="LiveId" clId="{58A7D052-2B52-4E67-8984-3B909D56E6F8}" dt="2021-11-17T20:36:28.832" v="47" actId="20577"/>
         <pc:sldMkLst>
           <pc:docMk/>
           <pc:sldMk cId="2935787013" sldId="275"/>
         </pc:sldMkLst>
-        <pc:spChg chg="add mod">
-          <ac:chgData name="Marci McGuire" userId="da076b16-69e6-40ca-b632-a9ea416c9c12" providerId="ADAL" clId="{0D4D732F-A10E-4547-935C-A396D909F7D7}" dt="2021-11-17T14:10:32.080" v="1284" actId="6549"/>
+        <pc:spChg chg="mod">
+          <ac:chgData name="Steven Robert Tarlow Jr." userId="ad86c06a5c8e7b1f" providerId="LiveId" clId="{58A7D052-2B52-4E67-8984-3B909D56E6F8}" dt="2021-11-17T20:36:28.832" v="47" actId="20577"/>
           <ac:spMkLst>
             <pc:docMk/>
             <pc:sldMk cId="2935787013" sldId="275"/>
@@ -2595,7 +2130,7 @@
         <p:spPr>
           <a:xfrm>
             <a:off x="1608739" y="2802960"/>
-            <a:ext cx="8996045" cy="1793120"/>
+            <a:ext cx="8996045" cy="1361014"/>
           </a:xfrm>
           <a:prstGeom prst="rect">
             <a:avLst/>
@@ -2849,105 +2384,7 @@
                 <a:latin typeface="Calibri"/>
                 <a:cs typeface="Calibri"/>
               </a:rPr>
-              <a:t>VA.gov/find-forms  </a:t>
-            </a:r>
-            <a:r>
-              <a:rPr sz="1800" b="1" spc="-130" dirty="0">
-                <a:latin typeface="Calibri"/>
-                <a:cs typeface="Calibri"/>
-              </a:rPr>
-              <a:t>V</a:t>
-            </a:r>
-            <a:r>
-              <a:rPr sz="1800" b="1" dirty="0">
-                <a:latin typeface="Calibri"/>
-                <a:cs typeface="Calibri"/>
-              </a:rPr>
-              <a:t>A.</a:t>
-            </a:r>
-            <a:r>
-              <a:rPr sz="1800" b="1" spc="-30" dirty="0">
-                <a:latin typeface="Calibri"/>
-                <a:cs typeface="Calibri"/>
-              </a:rPr>
-              <a:t>g</a:t>
-            </a:r>
-            <a:r>
-              <a:rPr sz="1800" b="1" spc="10" dirty="0">
-                <a:latin typeface="Calibri"/>
-                <a:cs typeface="Calibri"/>
-              </a:rPr>
-              <a:t>o</a:t>
-            </a:r>
-            <a:r>
-              <a:rPr sz="1800" b="1" dirty="0">
-                <a:latin typeface="Calibri"/>
-                <a:cs typeface="Calibri"/>
-              </a:rPr>
-              <a:t>v</a:t>
-            </a:r>
-            <a:r>
-              <a:rPr sz="1800" b="1" spc="-5" dirty="0">
-                <a:latin typeface="Calibri"/>
-                <a:cs typeface="Calibri"/>
-              </a:rPr>
-              <a:t>/find-</a:t>
-            </a:r>
-            <a:r>
-              <a:rPr sz="1800" b="1" spc="-25" dirty="0">
-                <a:latin typeface="Calibri"/>
-                <a:cs typeface="Calibri"/>
-              </a:rPr>
-              <a:t>f</a:t>
-            </a:r>
-            <a:r>
-              <a:rPr sz="1800" b="1" dirty="0">
-                <a:latin typeface="Calibri"/>
-                <a:cs typeface="Calibri"/>
-              </a:rPr>
-              <a:t>orms</a:t>
-            </a:r>
-            <a:r>
-              <a:rPr sz="1800" b="1" spc="-45" dirty="0">
-                <a:latin typeface="Calibri"/>
-                <a:cs typeface="Calibri"/>
-              </a:rPr>
-              <a:t>/</a:t>
-            </a:r>
-            <a:r>
-              <a:rPr sz="1800" b="1" spc="35" dirty="0">
-                <a:latin typeface="Calibri"/>
-                <a:cs typeface="Calibri"/>
-              </a:rPr>
-              <a:t>abou</a:t>
-            </a:r>
-            <a:r>
-              <a:rPr sz="1800" b="1" spc="-40" dirty="0">
-                <a:latin typeface="Calibri"/>
-                <a:cs typeface="Calibri"/>
-              </a:rPr>
-              <a:t>t</a:t>
-            </a:r>
-            <a:r>
-              <a:rPr sz="1800" b="1" spc="10" dirty="0">
-                <a:latin typeface="Calibri"/>
-                <a:cs typeface="Calibri"/>
-              </a:rPr>
-              <a:t>-</a:t>
-            </a:r>
-            <a:r>
-              <a:rPr sz="1800" b="1" spc="-5" dirty="0">
-                <a:latin typeface="Calibri"/>
-                <a:cs typeface="Calibri"/>
-              </a:rPr>
-              <a:t>f</a:t>
-            </a:r>
-            <a:r>
-              <a:rPr sz="1800" b="1" spc="30" dirty="0">
-                <a:latin typeface="Calibri"/>
-                <a:cs typeface="Calibri"/>
-              </a:rPr>
-              <a:t>orm-</a:t>
+              <a:t>VA.gov/find-forms</a:t>
             </a:r>
             <a:endParaRPr sz="1800" dirty="0">
               <a:latin typeface="Calibri"/>
@@ -3020,7 +2457,7 @@
                   <a:srgbClr val="0070BB"/>
                 </a:solidFill>
               </a:rPr>
-              <a:t>Modal with PDF Information</a:t>
+              <a:t>PDF Information</a:t>
             </a:r>
             <a:endParaRPr spc="-250" dirty="0">
               <a:solidFill>
@@ -3249,7 +2686,7 @@
         <p:spPr>
           <a:xfrm>
             <a:off x="9296400" y="1524000"/>
-            <a:ext cx="2765235" cy="4726935"/>
+            <a:ext cx="2765235" cy="4942379"/>
           </a:xfrm>
           <a:prstGeom prst="rect">
             <a:avLst/>
@@ -3275,7 +2712,20 @@
                 <a:latin typeface="Calibri"/>
                 <a:cs typeface="Calibri"/>
               </a:rPr>
-              <a:t>The first time a PDF link is clicked in the search results a modal will appear advising to download and open forms in Adobe Acrobat Reader.  A link to download Acrobat Reader is also provided. </a:t>
+              <a:t>The first time a PDF link is clicked in the search results, a window will appear advising the user to download and open forms in Adobe Acrobat Reader.  A link to download Acrobat Reader is</a:t>
+            </a:r>
+            <a:br>
+              <a:rPr lang="en-US" sz="1400" dirty="0">
+                <a:latin typeface="Calibri"/>
+                <a:cs typeface="Calibri"/>
+              </a:rPr>
+            </a:br>
+            <a:r>
+              <a:rPr lang="en-US" sz="1400" dirty="0">
+                <a:latin typeface="Calibri"/>
+                <a:cs typeface="Calibri"/>
+              </a:rPr>
+              <a:t>also provided. </a:t>
             </a:r>
           </a:p>
           <a:p>
@@ -3374,7 +2824,7 @@
                 <a:latin typeface="Calibri"/>
                 <a:cs typeface="Calibri"/>
               </a:rPr>
-              <a:t>This modal is displayed only once every 24 hours.   </a:t>
+              <a:t>This PDF window is displayed only once every 24 hours.   </a:t>
             </a:r>
           </a:p>
           <a:p>
@@ -3929,7 +3379,34 @@
                 <a:latin typeface="Calibri"/>
                 <a:cs typeface="Calibri"/>
               </a:rPr>
-              <a:t>If the modal shown on the previous page was displayed in the last 24 hours, the download VA Form link will start to download the PDF rather than display the modal.</a:t>
+              <a:t>If the window shown on the previous page was displayed in the last 24 hours, the download VA Form link will start to download the PDF rather </a:t>
+            </a:r>
+            <a:r>
+              <a:rPr lang="en-US" sz="1400">
+                <a:latin typeface="Calibri"/>
+                <a:cs typeface="Calibri"/>
+              </a:rPr>
+              <a:t>than display</a:t>
+            </a:r>
+            <a:br>
+              <a:rPr lang="en-US" sz="1400">
+                <a:latin typeface="Calibri"/>
+                <a:cs typeface="Calibri"/>
+              </a:rPr>
+            </a:br>
+            <a:r>
+              <a:rPr lang="en-US" sz="1400">
+                <a:latin typeface="Calibri"/>
+                <a:cs typeface="Calibri"/>
+              </a:rPr>
+              <a:t>the </a:t>
+            </a:r>
+            <a:r>
+              <a:rPr lang="en-US" sz="1400" dirty="0">
+                <a:latin typeface="Calibri"/>
+                <a:cs typeface="Calibri"/>
+              </a:rPr>
+              <a:t>window.</a:t>
             </a:r>
           </a:p>
           <a:p>
